--- a/lab8.pptx
+++ b/lab8.pptx
@@ -298,7 +298,7 @@
           <a:p>
             <a:fld id="{796529A3-C5F2-49AE-8B53-AA2541403A28}" type="datetimeFigureOut">
               <a:rPr lang="en-US" smtClean="0"/>
-              <a:t>10/22/21</a:t>
+              <a:t>3/25/22</a:t>
             </a:fld>
             <a:endParaRPr lang="en-US"/>
           </a:p>
@@ -496,7 +496,7 @@
           <a:p>
             <a:fld id="{796529A3-C5F2-49AE-8B53-AA2541403A28}" type="datetimeFigureOut">
               <a:rPr lang="en-US" smtClean="0"/>
-              <a:t>10/22/21</a:t>
+              <a:t>3/25/22</a:t>
             </a:fld>
             <a:endParaRPr lang="en-US"/>
           </a:p>
@@ -704,7 +704,7 @@
           <a:p>
             <a:fld id="{796529A3-C5F2-49AE-8B53-AA2541403A28}" type="datetimeFigureOut">
               <a:rPr lang="en-US" smtClean="0"/>
-              <a:t>10/22/21</a:t>
+              <a:t>3/25/22</a:t>
             </a:fld>
             <a:endParaRPr lang="en-US"/>
           </a:p>
@@ -902,7 +902,7 @@
           <a:p>
             <a:fld id="{796529A3-C5F2-49AE-8B53-AA2541403A28}" type="datetimeFigureOut">
               <a:rPr lang="en-US" smtClean="0"/>
-              <a:t>10/22/21</a:t>
+              <a:t>3/25/22</a:t>
             </a:fld>
             <a:endParaRPr lang="en-US"/>
           </a:p>
@@ -1177,7 +1177,7 @@
           <a:p>
             <a:fld id="{796529A3-C5F2-49AE-8B53-AA2541403A28}" type="datetimeFigureOut">
               <a:rPr lang="en-US" smtClean="0"/>
-              <a:t>10/22/21</a:t>
+              <a:t>3/25/22</a:t>
             </a:fld>
             <a:endParaRPr lang="en-US"/>
           </a:p>
@@ -1442,7 +1442,7 @@
           <a:p>
             <a:fld id="{796529A3-C5F2-49AE-8B53-AA2541403A28}" type="datetimeFigureOut">
               <a:rPr lang="en-US" smtClean="0"/>
-              <a:t>10/22/21</a:t>
+              <a:t>3/25/22</a:t>
             </a:fld>
             <a:endParaRPr lang="en-US"/>
           </a:p>
@@ -1854,7 +1854,7 @@
           <a:p>
             <a:fld id="{796529A3-C5F2-49AE-8B53-AA2541403A28}" type="datetimeFigureOut">
               <a:rPr lang="en-US" smtClean="0"/>
-              <a:t>10/22/21</a:t>
+              <a:t>3/25/22</a:t>
             </a:fld>
             <a:endParaRPr lang="en-US"/>
           </a:p>
@@ -1995,7 +1995,7 @@
           <a:p>
             <a:fld id="{796529A3-C5F2-49AE-8B53-AA2541403A28}" type="datetimeFigureOut">
               <a:rPr lang="en-US" smtClean="0"/>
-              <a:t>10/22/21</a:t>
+              <a:t>3/25/22</a:t>
             </a:fld>
             <a:endParaRPr lang="en-US"/>
           </a:p>
@@ -2108,7 +2108,7 @@
           <a:p>
             <a:fld id="{796529A3-C5F2-49AE-8B53-AA2541403A28}" type="datetimeFigureOut">
               <a:rPr lang="en-US" smtClean="0"/>
-              <a:t>10/22/21</a:t>
+              <a:t>3/25/22</a:t>
             </a:fld>
             <a:endParaRPr lang="en-US"/>
           </a:p>
@@ -2419,7 +2419,7 @@
           <a:p>
             <a:fld id="{796529A3-C5F2-49AE-8B53-AA2541403A28}" type="datetimeFigureOut">
               <a:rPr lang="en-US" smtClean="0"/>
-              <a:t>10/22/21</a:t>
+              <a:t>3/25/22</a:t>
             </a:fld>
             <a:endParaRPr lang="en-US"/>
           </a:p>
@@ -2707,7 +2707,7 @@
           <a:p>
             <a:fld id="{796529A3-C5F2-49AE-8B53-AA2541403A28}" type="datetimeFigureOut">
               <a:rPr lang="en-US" smtClean="0"/>
-              <a:t>10/22/21</a:t>
+              <a:t>3/25/22</a:t>
             </a:fld>
             <a:endParaRPr lang="en-US"/>
           </a:p>
@@ -2948,7 +2948,7 @@
           <a:p>
             <a:fld id="{796529A3-C5F2-49AE-8B53-AA2541403A28}" type="datetimeFigureOut">
               <a:rPr lang="en-US" smtClean="0"/>
-              <a:t>10/22/21</a:t>
+              <a:t>3/25/22</a:t>
             </a:fld>
             <a:endParaRPr lang="en-US"/>
           </a:p>
@@ -8967,15 +8967,7 @@
             </a:r>
             <a:r>
               <a:rPr lang="en-US" sz="3600" dirty="0"/>
-              <a:t>Check if the </a:t>
-            </a:r>
-            <a:r>
-              <a:rPr lang="en-US" sz="3600" dirty="0" err="1"/>
-              <a:t>slided</a:t>
-            </a:r>
-            <a:r>
-              <a:rPr lang="en-US" sz="3600" dirty="0"/>
-              <a:t> cell can be combined with the cell above it. If Yes, combine them.</a:t>
+              <a:t>Check if the slide cell can be combined with the cell above it. If Yes, combine them.</a:t>
             </a:r>
           </a:p>
         </p:txBody>
@@ -10971,7 +10963,7 @@
           <p:nvPr>
             <p:extLst>
               <p:ext uri="{D42A27DB-BD31-4B8C-83A1-F6EECF244321}">
-                <p14:modId xmlns:p14="http://schemas.microsoft.com/office/powerpoint/2010/main" val="1782597232"/>
+                <p14:modId xmlns:p14="http://schemas.microsoft.com/office/powerpoint/2010/main" val="2100908375"/>
               </p:ext>
             </p:extLst>
           </p:nvPr>
@@ -11092,10 +11084,7 @@
                     <a:bodyPr/>
                     <a:lstStyle/>
                     <a:p>
-                      <a:r>
-                        <a:rPr lang="en-US" dirty="0"/>
-                        <a:t>x400c</a:t>
-                      </a:r>
+                      <a:endParaRPr lang="en-US" dirty="0"/>
                     </a:p>
                   </a:txBody>
                   <a:tcPr/>
@@ -11126,10 +11115,7 @@
                     <a:bodyPr/>
                     <a:lstStyle/>
                     <a:p>
-                      <a:r>
-                        <a:rPr lang="en-US" dirty="0"/>
-                        <a:t>x400c</a:t>
-                      </a:r>
+                      <a:endParaRPr lang="en-US" dirty="0"/>
                     </a:p>
                   </a:txBody>
                   <a:tcPr/>
@@ -11139,10 +11125,7 @@
                     <a:bodyPr/>
                     <a:lstStyle/>
                     <a:p>
-                      <a:r>
-                        <a:rPr lang="en-US" dirty="0"/>
-                        <a:t>x4020</a:t>
-                      </a:r>
+                      <a:endParaRPr lang="en-US" dirty="0"/>
                     </a:p>
                   </a:txBody>
                   <a:tcPr/>
@@ -11172,10 +11155,7 @@
                     <a:bodyPr/>
                     <a:lstStyle/>
                     <a:p>
-                      <a:r>
-                        <a:rPr lang="en-US" dirty="0"/>
-                        <a:t>x4020</a:t>
-                      </a:r>
+                      <a:endParaRPr lang="en-US" dirty="0"/>
                     </a:p>
                   </a:txBody>
                   <a:tcPr/>
@@ -11185,10 +11165,7 @@
                     <a:bodyPr/>
                     <a:lstStyle/>
                     <a:p>
-                      <a:r>
-                        <a:rPr lang="en-US" dirty="0"/>
-                        <a:t>x0003</a:t>
-                      </a:r>
+                      <a:endParaRPr lang="en-US" dirty="0"/>
                     </a:p>
                   </a:txBody>
                   <a:tcPr/>
@@ -11218,10 +11195,7 @@
                     <a:bodyPr/>
                     <a:lstStyle/>
                     <a:p>
-                      <a:r>
-                        <a:rPr lang="en-US" dirty="0"/>
-                        <a:t>x4024</a:t>
-                      </a:r>
+                      <a:endParaRPr lang="en-US" dirty="0"/>
                     </a:p>
                   </a:txBody>
                   <a:tcPr/>
@@ -11231,10 +11205,7 @@
                     <a:bodyPr/>
                     <a:lstStyle/>
                     <a:p>
-                      <a:r>
-                        <a:rPr lang="en-US" dirty="0"/>
-                        <a:t>x0003</a:t>
-                      </a:r>
+                      <a:endParaRPr lang="en-US" dirty="0"/>
                     </a:p>
                   </a:txBody>
                   <a:tcPr/>
@@ -11261,7 +11232,7 @@
                     <a:bodyPr/>
                     <a:lstStyle/>
                     <a:p>
-                      <a:endParaRPr lang="en-US"/>
+                      <a:endParaRPr lang="en-US" dirty="0"/>
                     </a:p>
                   </a:txBody>
                   <a:tcPr/>
@@ -11286,41 +11257,6 @@
           </a:graphicData>
         </a:graphic>
       </p:graphicFrame>
-      <p:sp>
-        <p:nvSpPr>
-          <p:cNvPr id="3" name="TextBox 2">
-            <a:extLst>
-              <a:ext uri="{FF2B5EF4-FFF2-40B4-BE49-F238E27FC236}">
-                <a16:creationId xmlns:a16="http://schemas.microsoft.com/office/drawing/2014/main" id="{732B6DA6-DE36-6E4C-B4B9-52A73243002D}"/>
-              </a:ext>
-            </a:extLst>
-          </p:cNvPr>
-          <p:cNvSpPr txBox="1"/>
-          <p:nvPr/>
-        </p:nvSpPr>
-        <p:spPr>
-          <a:xfrm>
-            <a:off x="943897" y="5855110"/>
-            <a:ext cx="1930337" cy="369332"/>
-          </a:xfrm>
-          <a:prstGeom prst="rect">
-            <a:avLst/>
-          </a:prstGeom>
-          <a:noFill/>
-        </p:spPr>
-        <p:txBody>
-          <a:bodyPr wrap="none" rtlCol="0">
-            <a:spAutoFit/>
-          </a:bodyPr>
-          <a:lstStyle/>
-          <a:p>
-            <a:r>
-              <a:rPr lang="en-US" dirty="0"/>
-              <a:t>2 4 0 2 8 x10 2 0 0 </a:t>
-            </a:r>
-          </a:p>
-        </p:txBody>
-      </p:sp>
     </p:spTree>
     <p:extLst>
       <p:ext uri="{BB962C8B-B14F-4D97-AF65-F5344CB8AC3E}">
